--- a/src/figs/ftype_schematic.pptx
+++ b/src/figs/ftype_schematic.pptx
@@ -6968,44 +6968,6 @@
           </a:p>
         </p:txBody>
       </p:sp>
-      <p:cxnSp>
-        <p:nvCxnSpPr>
-          <p:cNvPr id="191" name="Straight Connector 190">
-            <a:extLst>
-              <a:ext uri="{FF2B5EF4-FFF2-40B4-BE49-F238E27FC236}">
-                <a16:creationId xmlns:a16="http://schemas.microsoft.com/office/drawing/2014/main" id="{7D6F157C-D7A0-A64D-80BE-A23B353F03A0}"/>
-              </a:ext>
-            </a:extLst>
-          </p:cNvPr>
-          <p:cNvCxnSpPr>
-            <a:cxnSpLocks/>
-          </p:cNvCxnSpPr>
-          <p:nvPr/>
-        </p:nvCxnSpPr>
-        <p:spPr>
-          <a:xfrm>
-            <a:off x="586225" y="273295"/>
-            <a:ext cx="0" cy="6163238"/>
-          </a:xfrm>
-          <a:prstGeom prst="line">
-            <a:avLst/>
-          </a:prstGeom>
-        </p:spPr>
-        <p:style>
-          <a:lnRef idx="1">
-            <a:schemeClr val="accent1"/>
-          </a:lnRef>
-          <a:fillRef idx="0">
-            <a:schemeClr val="accent1"/>
-          </a:fillRef>
-          <a:effectRef idx="0">
-            <a:schemeClr val="accent1"/>
-          </a:effectRef>
-          <a:fontRef idx="minor">
-            <a:schemeClr val="tx1"/>
-          </a:fontRef>
-        </p:style>
-      </p:cxnSp>
     </p:spTree>
     <p:extLst>
       <p:ext uri="{BB962C8B-B14F-4D97-AF65-F5344CB8AC3E}">
